--- a/High Concept Presentation.pptx
+++ b/High Concept Presentation.pptx
@@ -104,7 +104,39 @@
       </a:defRPr>
     </a:lvl9pPr>
   </p:defaultTextStyle>
+  <p:extLst>
+    <p:ext uri="{EFAFB233-063F-42B5-8137-9DF3F51BA10A}">
+      <p15:sldGuideLst xmlns:p15="http://schemas.microsoft.com/office/powerpoint/2012/main"/>
+    </p:ext>
+  </p:extLst>
 </p:presentation>
+</file>
+
+<file path=ppt/ink/ink1.xml><?xml version="1.0" encoding="utf-8"?>
+<inkml:ink xmlns:inkml="http://www.w3.org/2003/InkML">
+  <inkml:definitions>
+    <inkml:context xml:id="ctx0">
+      <inkml:inkSource xml:id="inkSrc0">
+        <inkml:traceFormat>
+          <inkml:channel name="X" type="integer" min="-2.14748E9" max="2.14748E9" units="cm"/>
+          <inkml:channel name="Y" type="integer" min="-2.14748E9" max="2.14748E9" units="cm"/>
+          <inkml:channel name="F" type="integer" max="32767" units="dev"/>
+        </inkml:traceFormat>
+        <inkml:channelProperties>
+          <inkml:channelProperty channel="X" name="resolution" value="1000" units="1/cm"/>
+          <inkml:channelProperty channel="Y" name="resolution" value="1000" units="1/cm"/>
+          <inkml:channelProperty channel="F" name="resolution" value="0" units="1/dev"/>
+        </inkml:channelProperties>
+      </inkml:inkSource>
+      <inkml:timestamp xml:id="ts0" timeString="2019-01-14T11:08:09.515"/>
+    </inkml:context>
+    <inkml:brush xml:id="br0">
+      <inkml:brushProperty name="width" value="0.05" units="cm"/>
+      <inkml:brushProperty name="height" value="0.05" units="cm"/>
+    </inkml:brush>
+  </inkml:definitions>
+  <inkml:trace contextRef="#ctx0" brushRef="#br0">0 1 384,'0'0'2561,"0"0"-2481,0 0-80,0 0 0,0 0-384,0 0-2225</inkml:trace>
+</inkml:ink>
 </file>
 
 <file path=ppt/slideLayouts/slideLayout1.xml><?xml version="1.0" encoding="utf-8"?>
@@ -256,7 +288,7 @@
           <a:p>
             <a:fld id="{0736CACE-6E51-4E27-B422-C1DA58A91418}" type="datetimeFigureOut">
               <a:rPr lang="sv-SE" smtClean="0"/>
-              <a:t>2019-01-13</a:t>
+              <a:t>2019-01-14</a:t>
             </a:fld>
             <a:endParaRPr lang="sv-SE"/>
           </a:p>
@@ -456,7 +488,7 @@
           <a:p>
             <a:fld id="{0736CACE-6E51-4E27-B422-C1DA58A91418}" type="datetimeFigureOut">
               <a:rPr lang="sv-SE" smtClean="0"/>
-              <a:t>2019-01-13</a:t>
+              <a:t>2019-01-14</a:t>
             </a:fld>
             <a:endParaRPr lang="sv-SE"/>
           </a:p>
@@ -666,7 +698,7 @@
           <a:p>
             <a:fld id="{0736CACE-6E51-4E27-B422-C1DA58A91418}" type="datetimeFigureOut">
               <a:rPr lang="sv-SE" smtClean="0"/>
-              <a:t>2019-01-13</a:t>
+              <a:t>2019-01-14</a:t>
             </a:fld>
             <a:endParaRPr lang="sv-SE"/>
           </a:p>
@@ -866,7 +898,7 @@
           <a:p>
             <a:fld id="{0736CACE-6E51-4E27-B422-C1DA58A91418}" type="datetimeFigureOut">
               <a:rPr lang="sv-SE" smtClean="0"/>
-              <a:t>2019-01-13</a:t>
+              <a:t>2019-01-14</a:t>
             </a:fld>
             <a:endParaRPr lang="sv-SE"/>
           </a:p>
@@ -1142,7 +1174,7 @@
           <a:p>
             <a:fld id="{0736CACE-6E51-4E27-B422-C1DA58A91418}" type="datetimeFigureOut">
               <a:rPr lang="sv-SE" smtClean="0"/>
-              <a:t>2019-01-13</a:t>
+              <a:t>2019-01-14</a:t>
             </a:fld>
             <a:endParaRPr lang="sv-SE"/>
           </a:p>
@@ -1410,7 +1442,7 @@
           <a:p>
             <a:fld id="{0736CACE-6E51-4E27-B422-C1DA58A91418}" type="datetimeFigureOut">
               <a:rPr lang="sv-SE" smtClean="0"/>
-              <a:t>2019-01-13</a:t>
+              <a:t>2019-01-14</a:t>
             </a:fld>
             <a:endParaRPr lang="sv-SE"/>
           </a:p>
@@ -1825,7 +1857,7 @@
           <a:p>
             <a:fld id="{0736CACE-6E51-4E27-B422-C1DA58A91418}" type="datetimeFigureOut">
               <a:rPr lang="sv-SE" smtClean="0"/>
-              <a:t>2019-01-13</a:t>
+              <a:t>2019-01-14</a:t>
             </a:fld>
             <a:endParaRPr lang="sv-SE"/>
           </a:p>
@@ -1967,7 +1999,7 @@
           <a:p>
             <a:fld id="{0736CACE-6E51-4E27-B422-C1DA58A91418}" type="datetimeFigureOut">
               <a:rPr lang="sv-SE" smtClean="0"/>
-              <a:t>2019-01-13</a:t>
+              <a:t>2019-01-14</a:t>
             </a:fld>
             <a:endParaRPr lang="sv-SE"/>
           </a:p>
@@ -2080,7 +2112,7 @@
           <a:p>
             <a:fld id="{0736CACE-6E51-4E27-B422-C1DA58A91418}" type="datetimeFigureOut">
               <a:rPr lang="sv-SE" smtClean="0"/>
-              <a:t>2019-01-13</a:t>
+              <a:t>2019-01-14</a:t>
             </a:fld>
             <a:endParaRPr lang="sv-SE"/>
           </a:p>
@@ -2393,7 +2425,7 @@
           <a:p>
             <a:fld id="{0736CACE-6E51-4E27-B422-C1DA58A91418}" type="datetimeFigureOut">
               <a:rPr lang="sv-SE" smtClean="0"/>
-              <a:t>2019-01-13</a:t>
+              <a:t>2019-01-14</a:t>
             </a:fld>
             <a:endParaRPr lang="sv-SE"/>
           </a:p>
@@ -2682,7 +2714,7 @@
           <a:p>
             <a:fld id="{0736CACE-6E51-4E27-B422-C1DA58A91418}" type="datetimeFigureOut">
               <a:rPr lang="sv-SE" smtClean="0"/>
-              <a:t>2019-01-13</a:t>
+              <a:t>2019-01-14</a:t>
             </a:fld>
             <a:endParaRPr lang="sv-SE"/>
           </a:p>
@@ -2925,7 +2957,7 @@
           <a:p>
             <a:fld id="{0736CACE-6E51-4E27-B422-C1DA58A91418}" type="datetimeFigureOut">
               <a:rPr lang="sv-SE" smtClean="0"/>
-              <a:t>2019-01-13</a:t>
+              <a:t>2019-01-14</a:t>
             </a:fld>
             <a:endParaRPr lang="sv-SE"/>
           </a:p>
@@ -3328,6 +3360,21 @@
 <file path=ppt/slides/slide1.xml><?xml version="1.0" encoding="utf-8"?>
 <p:sld xmlns:a="http://schemas.openxmlformats.org/drawingml/2006/main" xmlns:r="http://schemas.openxmlformats.org/officeDocument/2006/relationships" xmlns:p="http://schemas.openxmlformats.org/presentationml/2006/main">
   <p:cSld>
+    <p:bg>
+      <p:bgPr>
+        <a:blipFill dpi="0" rotWithShape="1">
+          <a:blip r:embed="rId2">
+            <a:alphaModFix amt="61000"/>
+            <a:lum/>
+          </a:blip>
+          <a:srcRect/>
+          <a:stretch>
+            <a:fillRect/>
+          </a:stretch>
+        </a:blipFill>
+        <a:effectLst/>
+      </p:bgPr>
+    </p:bg>
     <p:spTree>
       <p:nvGrpSpPr>
         <p:cNvPr id="1" name=""/>
@@ -3358,7 +3405,12 @@
             <p:ph type="title"/>
           </p:nvPr>
         </p:nvSpPr>
-        <p:spPr/>
+        <p:spPr>
+          <a:xfrm>
+            <a:off x="838200" y="365125"/>
+            <a:ext cx="10515600" cy="1876913"/>
+          </a:xfrm>
+        </p:spPr>
         <p:txBody>
           <a:bodyPr/>
           <a:lstStyle/>
@@ -3399,15 +3451,83 @@
             <p:ph idx="1"/>
           </p:nvPr>
         </p:nvSpPr>
-        <p:spPr/>
-        <p:txBody>
-          <a:bodyPr/>
-          <a:lstStyle/>
-          <a:p>
+        <p:spPr>
+          <a:xfrm>
+            <a:off x="838200" y="2690445"/>
+            <a:ext cx="10515600" cy="3486517"/>
+          </a:xfrm>
+        </p:spPr>
+        <p:txBody>
+          <a:bodyPr/>
+          <a:lstStyle/>
+          <a:p>
+            <a:pPr marL="0" indent="0" algn="ctr">
+              <a:buNone/>
+            </a:pPr>
+            <a:r>
+              <a:rPr lang="sv-SE" dirty="0"/>
+              <a:t>Synchronize with your friends and combine spirits to unleash devastating wombo combos onto the enemy team</a:t>
+            </a:r>
+          </a:p>
+          <a:p>
+            <a:pPr marL="0" indent="0">
+              <a:buNone/>
+            </a:pPr>
             <a:endParaRPr lang="sv-SE" dirty="0"/>
           </a:p>
         </p:txBody>
       </p:sp>
+      <mc:AlternateContent xmlns:mc="http://schemas.openxmlformats.org/markup-compatibility/2006">
+        <mc:Choice xmlns:p14="http://schemas.microsoft.com/office/powerpoint/2010/main" Requires="p14">
+          <p:contentPart p14:bwMode="auto" r:id="rId3">
+            <p14:nvContentPartPr>
+              <p14:cNvPr id="2" name="Ink 1">
+                <a:extLst>
+                  <a:ext uri="{FF2B5EF4-FFF2-40B4-BE49-F238E27FC236}">
+                    <a16:creationId xmlns:a16="http://schemas.microsoft.com/office/drawing/2014/main" id="{A081ACCE-57AF-4B07-809C-F51E14EAEDEC}"/>
+                  </a:ext>
+                </a:extLst>
+              </p14:cNvPr>
+              <p14:cNvContentPartPr/>
+              <p14:nvPr/>
+            </p14:nvContentPartPr>
+            <p14:xfrm>
+              <a:off x="1938069" y="-74749"/>
+              <a:ext cx="360" cy="360"/>
+            </p14:xfrm>
+          </p:contentPart>
+        </mc:Choice>
+        <mc:Fallback>
+          <p:pic>
+            <p:nvPicPr>
+              <p:cNvPr id="2" name="Ink 1">
+                <a:extLst>
+                  <a:ext uri="{FF2B5EF4-FFF2-40B4-BE49-F238E27FC236}">
+                    <a16:creationId xmlns:a16="http://schemas.microsoft.com/office/drawing/2014/main" id="{A081ACCE-57AF-4B07-809C-F51E14EAEDEC}"/>
+                  </a:ext>
+                </a:extLst>
+              </p:cNvPr>
+              <p:cNvPicPr/>
+              <p:nvPr/>
+            </p:nvPicPr>
+            <p:blipFill>
+              <a:blip r:embed="rId4"/>
+              <a:stretch>
+                <a:fillRect/>
+              </a:stretch>
+            </p:blipFill>
+            <p:spPr>
+              <a:xfrm>
+                <a:off x="1929069" y="-83389"/>
+                <a:ext cx="18000" cy="18000"/>
+              </a:xfrm>
+              <a:prstGeom prst="rect">
+                <a:avLst/>
+              </a:prstGeom>
+            </p:spPr>
+          </p:pic>
+        </mc:Fallback>
+      </mc:AlternateContent>
     </p:spTree>
     <p:extLst>
       <p:ext uri="{BB962C8B-B14F-4D97-AF65-F5344CB8AC3E}">
